--- a/ppt/IoT17-ESP32.pptx
+++ b/ppt/IoT17-ESP32.pptx
@@ -5,17 +5,23 @@
     <p:sldMasterId id="2147483653" r:id="rId1"/>
   </p:sldMasterIdLst>
   <p:notesMasterIdLst>
-    <p:notesMasterId r:id="rId7"/>
+    <p:notesMasterId r:id="rId13"/>
   </p:notesMasterIdLst>
   <p:handoutMasterIdLst>
-    <p:handoutMasterId r:id="rId8"/>
+    <p:handoutMasterId r:id="rId14"/>
   </p:handoutMasterIdLst>
   <p:sldIdLst>
     <p:sldId id="264" r:id="rId2"/>
-    <p:sldId id="265" r:id="rId3"/>
-    <p:sldId id="266" r:id="rId4"/>
-    <p:sldId id="267" r:id="rId5"/>
-    <p:sldId id="268" r:id="rId6"/>
+    <p:sldId id="270" r:id="rId3"/>
+    <p:sldId id="268" r:id="rId4"/>
+    <p:sldId id="269" r:id="rId5"/>
+    <p:sldId id="271" r:id="rId6"/>
+    <p:sldId id="272" r:id="rId7"/>
+    <p:sldId id="266" r:id="rId8"/>
+    <p:sldId id="273" r:id="rId9"/>
+    <p:sldId id="274" r:id="rId10"/>
+    <p:sldId id="275" r:id="rId11"/>
+    <p:sldId id="265" r:id="rId12"/>
   </p:sldIdLst>
   <p:sldSz cx="9144000" cy="6858000" type="screen4x3"/>
   <p:notesSz cx="6648450" cy="9782175"/>
@@ -3731,7 +3737,100 @@
 </p:sld>
 </file>
 
-<file path=ppt/slides/slide2.xml><?xml version="1.0" encoding="utf-8"?>
+<file path=ppt/slides/slide10.xml><?xml version="1.0" encoding="utf-8"?>
+<p:sld xmlns:a="http://schemas.openxmlformats.org/drawingml/2006/main" xmlns:r="http://schemas.openxmlformats.org/officeDocument/2006/relationships" xmlns:p="http://schemas.openxmlformats.org/presentationml/2006/main">
+  <p:cSld>
+    <p:spTree>
+      <p:nvGrpSpPr>
+        <p:cNvPr id="1" name=""/>
+        <p:cNvGrpSpPr/>
+        <p:nvPr/>
+      </p:nvGrpSpPr>
+      <p:grpSpPr>
+        <a:xfrm>
+          <a:off x="0" y="0"/>
+          <a:ext cx="0" cy="0"/>
+          <a:chOff x="0" y="0"/>
+          <a:chExt cx="0" cy="0"/>
+        </a:xfrm>
+      </p:grpSpPr>
+      <p:sp>
+        <p:nvSpPr>
+          <p:cNvPr id="2" name="Titre 1">
+            <a:extLst>
+              <a:ext uri="{FF2B5EF4-FFF2-40B4-BE49-F238E27FC236}">
+                <a16:creationId xmlns:a16="http://schemas.microsoft.com/office/drawing/2014/main" id="{6AB1221F-BE82-EB33-AC5F-BFC010701BC9}"/>
+              </a:ext>
+            </a:extLst>
+          </p:cNvPr>
+          <p:cNvSpPr>
+            <a:spLocks noGrp="1"/>
+          </p:cNvSpPr>
+          <p:nvPr>
+            <p:ph type="title"/>
+          </p:nvPr>
+        </p:nvSpPr>
+        <p:spPr/>
+        <p:txBody>
+          <a:bodyPr/>
+          <a:lstStyle/>
+          <a:p>
+            <a:r>
+              <a:rPr lang="fr-FR" dirty="0"/>
+              <a:t>I2C</a:t>
+            </a:r>
+          </a:p>
+        </p:txBody>
+      </p:sp>
+      <p:sp>
+        <p:nvSpPr>
+          <p:cNvPr id="3" name="Espace réservé du contenu 2">
+            <a:extLst>
+              <a:ext uri="{FF2B5EF4-FFF2-40B4-BE49-F238E27FC236}">
+                <a16:creationId xmlns:a16="http://schemas.microsoft.com/office/drawing/2014/main" id="{39C5272C-BEA3-7C9A-67DE-638870B6F21B}"/>
+              </a:ext>
+            </a:extLst>
+          </p:cNvPr>
+          <p:cNvSpPr>
+            <a:spLocks noGrp="1"/>
+          </p:cNvSpPr>
+          <p:nvPr>
+            <p:ph idx="1"/>
+          </p:nvPr>
+        </p:nvSpPr>
+        <p:spPr/>
+        <p:txBody>
+          <a:bodyPr/>
+          <a:lstStyle/>
+          <a:p>
+            <a:r>
+              <a:rPr lang="it-IT" dirty="0"/>
+              <a:t>GPIO 21 (SDA)</a:t>
+            </a:r>
+          </a:p>
+          <a:p>
+            <a:r>
+              <a:rPr lang="it-IT" dirty="0"/>
+              <a:t>GPIO 22 (SCL)</a:t>
+            </a:r>
+            <a:endParaRPr lang="fr-FR" dirty="0"/>
+          </a:p>
+        </p:txBody>
+      </p:sp>
+    </p:spTree>
+    <p:extLst>
+      <p:ext uri="{BB962C8B-B14F-4D97-AF65-F5344CB8AC3E}">
+        <p14:creationId xmlns:p14="http://schemas.microsoft.com/office/powerpoint/2010/main" val="1655968989"/>
+      </p:ext>
+    </p:extLst>
+  </p:cSld>
+  <p:clrMapOvr>
+    <a:masterClrMapping/>
+  </p:clrMapOvr>
+</p:sld>
+</file>
+
+<file path=ppt/slides/slide11.xml><?xml version="1.0" encoding="utf-8"?>
 <p:sld xmlns:a="http://schemas.openxmlformats.org/drawingml/2006/main" xmlns:r="http://schemas.openxmlformats.org/officeDocument/2006/relationships" xmlns:p="http://schemas.openxmlformats.org/presentationml/2006/main">
   <p:cSld>
     <p:spTree>
@@ -3769,7 +3868,10 @@
           <a:bodyPr/>
           <a:lstStyle/>
           <a:p>
-            <a:endParaRPr lang="fr-FR"/>
+            <a:r>
+              <a:rPr lang="fr-FR" dirty="0"/>
+              <a:t>Arduino Studio</a:t>
+            </a:r>
           </a:p>
         </p:txBody>
       </p:sp>
@@ -3794,16 +3896,656 @@
           <a:bodyPr/>
           <a:lstStyle/>
           <a:p>
+            <a:r>
+              <a:rPr lang="fr-FR" dirty="0"/>
+              <a:t>Ce paramètre facilement dans Arduino Studio</a:t>
+            </a:r>
+          </a:p>
+          <a:p>
+            <a:pPr lvl="1"/>
+            <a:r>
+              <a:rPr lang="fr-FR" dirty="0"/>
+              <a:t>En C</a:t>
+            </a:r>
+          </a:p>
+          <a:p>
+            <a:pPr lvl="1"/>
+            <a:r>
+              <a:rPr lang="fr-FR" dirty="0"/>
+              <a:t>En </a:t>
+            </a:r>
+            <a:r>
+              <a:rPr lang="fr-FR" dirty="0" err="1"/>
+              <a:t>Micropython</a:t>
+            </a:r>
             <a:endParaRPr lang="fr-FR" dirty="0"/>
+          </a:p>
+        </p:txBody>
+      </p:sp>
+    </p:spTree>
+    <p:extLst>
+      <p:ext uri="{BB962C8B-B14F-4D97-AF65-F5344CB8AC3E}">
+        <p14:creationId xmlns:p14="http://schemas.microsoft.com/office/powerpoint/2010/main" val="3126085762"/>
+      </p:ext>
+    </p:extLst>
+  </p:cSld>
+  <p:clrMapOvr>
+    <a:masterClrMapping/>
+  </p:clrMapOvr>
+</p:sld>
+</file>
+
+<file path=ppt/slides/slide2.xml><?xml version="1.0" encoding="utf-8"?>
+<p:sld xmlns:a="http://schemas.openxmlformats.org/drawingml/2006/main" xmlns:r="http://schemas.openxmlformats.org/officeDocument/2006/relationships" xmlns:p="http://schemas.openxmlformats.org/presentationml/2006/main">
+  <p:cSld>
+    <p:spTree>
+      <p:nvGrpSpPr>
+        <p:cNvPr id="1" name=""/>
+        <p:cNvGrpSpPr/>
+        <p:nvPr/>
+      </p:nvGrpSpPr>
+      <p:grpSpPr>
+        <a:xfrm>
+          <a:off x="0" y="0"/>
+          <a:ext cx="0" cy="0"/>
+          <a:chOff x="0" y="0"/>
+          <a:chExt cx="0" cy="0"/>
+        </a:xfrm>
+      </p:grpSpPr>
+      <p:sp>
+        <p:nvSpPr>
+          <p:cNvPr id="2" name="Titre 1">
+            <a:extLst>
+              <a:ext uri="{FF2B5EF4-FFF2-40B4-BE49-F238E27FC236}">
+                <a16:creationId xmlns:a16="http://schemas.microsoft.com/office/drawing/2014/main" id="{2676E6B9-72E9-7078-0900-45A006F6C755}"/>
+              </a:ext>
+            </a:extLst>
+          </p:cNvPr>
+          <p:cNvSpPr>
+            <a:spLocks noGrp="1"/>
+          </p:cNvSpPr>
+          <p:nvPr>
+            <p:ph type="title"/>
+          </p:nvPr>
+        </p:nvSpPr>
+        <p:spPr/>
+        <p:txBody>
+          <a:bodyPr/>
+          <a:lstStyle/>
+          <a:p>
+            <a:r>
+              <a:rPr lang="fr-FR" dirty="0"/>
+              <a:t>Wiki ESP32</a:t>
+            </a:r>
+          </a:p>
+        </p:txBody>
+      </p:sp>
+      <p:sp>
+        <p:nvSpPr>
+          <p:cNvPr id="3" name="Espace réservé du contenu 2">
+            <a:extLst>
+              <a:ext uri="{FF2B5EF4-FFF2-40B4-BE49-F238E27FC236}">
+                <a16:creationId xmlns:a16="http://schemas.microsoft.com/office/drawing/2014/main" id="{F6DCD56A-AF23-709B-56C9-91F3B6F52F2A}"/>
+              </a:ext>
+            </a:extLst>
+          </p:cNvPr>
+          <p:cNvSpPr>
+            <a:spLocks noGrp="1"/>
+          </p:cNvSpPr>
+          <p:nvPr>
+            <p:ph idx="1"/>
+          </p:nvPr>
+        </p:nvSpPr>
+        <p:spPr/>
+        <p:txBody>
+          <a:bodyPr/>
+          <a:lstStyle/>
+          <a:p>
+            <a:r>
+              <a:rPr lang="fr-FR" dirty="0"/>
+              <a:t>ESP32 est une série de microcontrôleurs de type </a:t>
+            </a:r>
+            <a:r>
+              <a:rPr lang="fr-FR" dirty="0" err="1"/>
+              <a:t>SoC</a:t>
+            </a:r>
+            <a:r>
+              <a:rPr lang="fr-FR" dirty="0"/>
+              <a:t> d'</a:t>
+            </a:r>
+            <a:r>
+              <a:rPr lang="fr-FR" dirty="0" err="1"/>
+              <a:t>Espressif</a:t>
+            </a:r>
+            <a:r>
+              <a:rPr lang="fr-FR" dirty="0"/>
+              <a:t> </a:t>
+            </a:r>
+            <a:r>
+              <a:rPr lang="fr-FR" dirty="0" err="1"/>
+              <a:t>Systems</a:t>
+            </a:r>
+            <a:endParaRPr lang="fr-FR" dirty="0"/>
+          </a:p>
+          <a:p>
+            <a:pPr lvl="1"/>
+            <a:r>
+              <a:rPr lang="fr-FR" dirty="0"/>
+              <a:t>Basé sur l'architecture </a:t>
+            </a:r>
+            <a:r>
+              <a:rPr lang="fr-FR" dirty="0" err="1"/>
+              <a:t>Xtensa</a:t>
+            </a:r>
+            <a:r>
+              <a:rPr lang="fr-FR" dirty="0"/>
+              <a:t> LX6 de </a:t>
+            </a:r>
+            <a:r>
+              <a:rPr lang="fr-FR" dirty="0" err="1"/>
+              <a:t>Tensilica</a:t>
+            </a:r>
+            <a:r>
+              <a:rPr lang="fr-FR" dirty="0"/>
+              <a:t>, intégrant la gestion du Wi-Fi du Bluetooth (BT &amp; LE) et un DSP</a:t>
+            </a:r>
+          </a:p>
+          <a:p>
+            <a:pPr lvl="1"/>
+            <a:r>
+              <a:rPr lang="fr-FR" dirty="0"/>
+              <a:t>C'est une évolution d'ESP8266</a:t>
+            </a:r>
           </a:p>
         </p:txBody>
       </p:sp>
       <p:pic>
         <p:nvPicPr>
-          <p:cNvPr id="6" name="Image 5">
+          <p:cNvPr id="4" name="Image 3">
             <a:extLst>
               <a:ext uri="{FF2B5EF4-FFF2-40B4-BE49-F238E27FC236}">
-                <a16:creationId xmlns:a16="http://schemas.microsoft.com/office/drawing/2014/main" id="{6515BB15-EC54-2552-0624-3E854163D344}"/>
+                <a16:creationId xmlns:a16="http://schemas.microsoft.com/office/drawing/2014/main" id="{37A5569F-3A96-C141-588F-77CB69AD7341}"/>
+              </a:ext>
+            </a:extLst>
+          </p:cNvPr>
+          <p:cNvPicPr>
+            <a:picLocks noChangeAspect="1"/>
+          </p:cNvPicPr>
+          <p:nvPr/>
+        </p:nvPicPr>
+        <p:blipFill>
+          <a:blip r:embed="rId2"/>
+          <a:stretch>
+            <a:fillRect/>
+          </a:stretch>
+        </p:blipFill>
+        <p:spPr>
+          <a:xfrm rot="5400000">
+            <a:off x="3603080" y="3280601"/>
+            <a:ext cx="1918912" cy="3511855"/>
+          </a:xfrm>
+          <a:prstGeom prst="rect">
+            <a:avLst/>
+          </a:prstGeom>
+        </p:spPr>
+      </p:pic>
+    </p:spTree>
+    <p:extLst>
+      <p:ext uri="{BB962C8B-B14F-4D97-AF65-F5344CB8AC3E}">
+        <p14:creationId xmlns:p14="http://schemas.microsoft.com/office/powerpoint/2010/main" val="3254821064"/>
+      </p:ext>
+    </p:extLst>
+  </p:cSld>
+  <p:clrMapOvr>
+    <a:masterClrMapping/>
+  </p:clrMapOvr>
+</p:sld>
+</file>
+
+<file path=ppt/slides/slide3.xml><?xml version="1.0" encoding="utf-8"?>
+<p:sld xmlns:a="http://schemas.openxmlformats.org/drawingml/2006/main" xmlns:r="http://schemas.openxmlformats.org/officeDocument/2006/relationships" xmlns:p="http://schemas.openxmlformats.org/presentationml/2006/main">
+  <p:cSld>
+    <p:spTree>
+      <p:nvGrpSpPr>
+        <p:cNvPr id="1" name=""/>
+        <p:cNvGrpSpPr/>
+        <p:nvPr/>
+      </p:nvGrpSpPr>
+      <p:grpSpPr>
+        <a:xfrm>
+          <a:off x="0" y="0"/>
+          <a:ext cx="0" cy="0"/>
+          <a:chOff x="0" y="0"/>
+          <a:chExt cx="0" cy="0"/>
+        </a:xfrm>
+      </p:grpSpPr>
+      <p:sp>
+        <p:nvSpPr>
+          <p:cNvPr id="2" name="Titre 1">
+            <a:extLst>
+              <a:ext uri="{FF2B5EF4-FFF2-40B4-BE49-F238E27FC236}">
+                <a16:creationId xmlns:a16="http://schemas.microsoft.com/office/drawing/2014/main" id="{B0BE374C-D77F-86AD-3A9D-1CB472B08323}"/>
+              </a:ext>
+            </a:extLst>
+          </p:cNvPr>
+          <p:cNvSpPr>
+            <a:spLocks noGrp="1"/>
+          </p:cNvSpPr>
+          <p:nvPr>
+            <p:ph type="title"/>
+          </p:nvPr>
+        </p:nvSpPr>
+        <p:spPr/>
+        <p:txBody>
+          <a:bodyPr/>
+          <a:lstStyle/>
+          <a:p>
+            <a:r>
+              <a:rPr lang="fr-FR" dirty="0"/>
+              <a:t>Arduino Nano</a:t>
+            </a:r>
+          </a:p>
+        </p:txBody>
+      </p:sp>
+      <p:sp>
+        <p:nvSpPr>
+          <p:cNvPr id="3" name="Espace réservé du contenu 2">
+            <a:extLst>
+              <a:ext uri="{FF2B5EF4-FFF2-40B4-BE49-F238E27FC236}">
+                <a16:creationId xmlns:a16="http://schemas.microsoft.com/office/drawing/2014/main" id="{44807343-8FCA-7320-CFC3-2A2CDF312B43}"/>
+              </a:ext>
+            </a:extLst>
+          </p:cNvPr>
+          <p:cNvSpPr>
+            <a:spLocks noGrp="1"/>
+          </p:cNvSpPr>
+          <p:nvPr>
+            <p:ph idx="1"/>
+          </p:nvPr>
+        </p:nvSpPr>
+        <p:spPr/>
+        <p:txBody>
+          <a:bodyPr/>
+          <a:lstStyle/>
+          <a:p>
+            <a:r>
+              <a:rPr lang="fr-FR" dirty="0"/>
+              <a:t>Un ESP32 chez Arduino</a:t>
+            </a:r>
+          </a:p>
+          <a:p>
+            <a:r>
+              <a:rPr lang="fr-FR" dirty="0"/>
+              <a:t>Arduino Nano ESP32</a:t>
+            </a:r>
+          </a:p>
+          <a:p>
+            <a:r>
+              <a:rPr lang="fr-FR" dirty="0">
+                <a:hlinkClick r:id="rId2"/>
+              </a:rPr>
+              <a:t>https://docs.arduino.cc/tutorials/nano-esp32/cheat-sheet</a:t>
+            </a:r>
+            <a:endParaRPr lang="fr-FR" dirty="0"/>
+          </a:p>
+          <a:p>
+            <a:endParaRPr lang="fr-FR" dirty="0"/>
+          </a:p>
+          <a:p>
+            <a:endParaRPr lang="fr-FR" dirty="0"/>
+          </a:p>
+        </p:txBody>
+      </p:sp>
+    </p:spTree>
+    <p:extLst>
+      <p:ext uri="{BB962C8B-B14F-4D97-AF65-F5344CB8AC3E}">
+        <p14:creationId xmlns:p14="http://schemas.microsoft.com/office/powerpoint/2010/main" val="3473560995"/>
+      </p:ext>
+    </p:extLst>
+  </p:cSld>
+  <p:clrMapOvr>
+    <a:masterClrMapping/>
+  </p:clrMapOvr>
+</p:sld>
+</file>
+
+<file path=ppt/slides/slide4.xml><?xml version="1.0" encoding="utf-8"?>
+<p:sld xmlns:a="http://schemas.openxmlformats.org/drawingml/2006/main" xmlns:r="http://schemas.openxmlformats.org/officeDocument/2006/relationships" xmlns:p="http://schemas.openxmlformats.org/presentationml/2006/main">
+  <p:cSld>
+    <p:spTree>
+      <p:nvGrpSpPr>
+        <p:cNvPr id="1" name=""/>
+        <p:cNvGrpSpPr/>
+        <p:nvPr/>
+      </p:nvGrpSpPr>
+      <p:grpSpPr>
+        <a:xfrm>
+          <a:off x="0" y="0"/>
+          <a:ext cx="0" cy="0"/>
+          <a:chOff x="0" y="0"/>
+          <a:chExt cx="0" cy="0"/>
+        </a:xfrm>
+      </p:grpSpPr>
+      <p:sp>
+        <p:nvSpPr>
+          <p:cNvPr id="2" name="Titre 1">
+            <a:extLst>
+              <a:ext uri="{FF2B5EF4-FFF2-40B4-BE49-F238E27FC236}">
+                <a16:creationId xmlns:a16="http://schemas.microsoft.com/office/drawing/2014/main" id="{CA94B801-261B-7C77-806F-7734A98FDC2C}"/>
+              </a:ext>
+            </a:extLst>
+          </p:cNvPr>
+          <p:cNvSpPr>
+            <a:spLocks noGrp="1"/>
+          </p:cNvSpPr>
+          <p:nvPr>
+            <p:ph type="title"/>
+          </p:nvPr>
+        </p:nvSpPr>
+        <p:spPr/>
+        <p:txBody>
+          <a:bodyPr/>
+          <a:lstStyle/>
+          <a:p>
+            <a:r>
+              <a:rPr lang="fr-FR" dirty="0"/>
+              <a:t>ESP32</a:t>
+            </a:r>
+          </a:p>
+        </p:txBody>
+      </p:sp>
+      <p:pic>
+        <p:nvPicPr>
+          <p:cNvPr id="5" name="Espace réservé du contenu 4" descr="Une image contenant Appareils électroniques, Ingénierie électronique, circuit, Composant électronique&#10;&#10;Le contenu généré par l’IA peut être incorrect.">
+            <a:extLst>
+              <a:ext uri="{FF2B5EF4-FFF2-40B4-BE49-F238E27FC236}">
+                <a16:creationId xmlns:a16="http://schemas.microsoft.com/office/drawing/2014/main" id="{26CFDBA8-CBE1-DFDF-7171-998EA337EAAB}"/>
+              </a:ext>
+            </a:extLst>
+          </p:cNvPr>
+          <p:cNvPicPr>
+            <a:picLocks noGrp="1" noChangeAspect="1"/>
+          </p:cNvPicPr>
+          <p:nvPr>
+            <p:ph idx="1"/>
+          </p:nvPr>
+        </p:nvPicPr>
+        <p:blipFill>
+          <a:blip r:embed="rId2">
+            <a:extLst>
+              <a:ext uri="{28A0092B-C50C-407E-A947-70E740481C1C}">
+                <a14:useLocalDpi xmlns:a14="http://schemas.microsoft.com/office/drawing/2010/main" val="0"/>
+              </a:ext>
+            </a:extLst>
+          </a:blip>
+          <a:stretch>
+            <a:fillRect/>
+          </a:stretch>
+        </p:blipFill>
+        <p:spPr>
+          <a:xfrm rot="5400000">
+            <a:off x="1931985" y="-906746"/>
+            <a:ext cx="5977661" cy="10103571"/>
+          </a:xfrm>
+        </p:spPr>
+      </p:pic>
+    </p:spTree>
+    <p:extLst>
+      <p:ext uri="{BB962C8B-B14F-4D97-AF65-F5344CB8AC3E}">
+        <p14:creationId xmlns:p14="http://schemas.microsoft.com/office/powerpoint/2010/main" val="4044039697"/>
+      </p:ext>
+    </p:extLst>
+  </p:cSld>
+  <p:clrMapOvr>
+    <a:masterClrMapping/>
+  </p:clrMapOvr>
+</p:sld>
+</file>
+
+<file path=ppt/slides/slide5.xml><?xml version="1.0" encoding="utf-8"?>
+<p:sld xmlns:a="http://schemas.openxmlformats.org/drawingml/2006/main" xmlns:r="http://schemas.openxmlformats.org/officeDocument/2006/relationships" xmlns:p="http://schemas.openxmlformats.org/presentationml/2006/main">
+  <p:cSld>
+    <p:spTree>
+      <p:nvGrpSpPr>
+        <p:cNvPr id="1" name=""/>
+        <p:cNvGrpSpPr/>
+        <p:nvPr/>
+      </p:nvGrpSpPr>
+      <p:grpSpPr>
+        <a:xfrm>
+          <a:off x="0" y="0"/>
+          <a:ext cx="0" cy="0"/>
+          <a:chOff x="0" y="0"/>
+          <a:chExt cx="0" cy="0"/>
+        </a:xfrm>
+      </p:grpSpPr>
+      <p:sp>
+        <p:nvSpPr>
+          <p:cNvPr id="2" name="Titre 1">
+            <a:extLst>
+              <a:ext uri="{FF2B5EF4-FFF2-40B4-BE49-F238E27FC236}">
+                <a16:creationId xmlns:a16="http://schemas.microsoft.com/office/drawing/2014/main" id="{CB496E42-5DDB-036D-E3E7-F635A8B1AC6C}"/>
+              </a:ext>
+            </a:extLst>
+          </p:cNvPr>
+          <p:cNvSpPr>
+            <a:spLocks noGrp="1"/>
+          </p:cNvSpPr>
+          <p:nvPr>
+            <p:ph type="title"/>
+          </p:nvPr>
+        </p:nvSpPr>
+        <p:spPr/>
+        <p:txBody>
+          <a:bodyPr/>
+          <a:lstStyle/>
+          <a:p>
+            <a:r>
+              <a:rPr lang="fr-FR" dirty="0" err="1"/>
+              <a:t>Specification</a:t>
+            </a:r>
+            <a:endParaRPr lang="fr-FR" dirty="0"/>
+          </a:p>
+        </p:txBody>
+      </p:sp>
+      <p:sp>
+        <p:nvSpPr>
+          <p:cNvPr id="3" name="Espace réservé du contenu 2">
+            <a:extLst>
+              <a:ext uri="{FF2B5EF4-FFF2-40B4-BE49-F238E27FC236}">
+                <a16:creationId xmlns:a16="http://schemas.microsoft.com/office/drawing/2014/main" id="{7C6AB227-5E0F-EAC0-A045-59CCB95C595C}"/>
+              </a:ext>
+            </a:extLst>
+          </p:cNvPr>
+          <p:cNvSpPr>
+            <a:spLocks noGrp="1"/>
+          </p:cNvSpPr>
+          <p:nvPr>
+            <p:ph idx="1"/>
+          </p:nvPr>
+        </p:nvSpPr>
+        <p:spPr/>
+        <p:txBody>
+          <a:bodyPr/>
+          <a:lstStyle/>
+          <a:p>
+            <a:r>
+              <a:rPr lang="fr-FR" dirty="0"/>
+              <a:t>2 </a:t>
+            </a:r>
+            <a:r>
+              <a:rPr lang="fr-FR" dirty="0" err="1"/>
+              <a:t>Cores</a:t>
+            </a:r>
+            <a:r>
+              <a:rPr lang="fr-FR" dirty="0"/>
+              <a:t> 32 bits 240MHz</a:t>
+            </a:r>
+          </a:p>
+          <a:p>
+            <a:r>
+              <a:rPr lang="fr-FR" dirty="0"/>
+              <a:t>Wifi</a:t>
+            </a:r>
+          </a:p>
+          <a:p>
+            <a:r>
+              <a:rPr lang="fr-FR" dirty="0"/>
+              <a:t>Bluetooth (</a:t>
+            </a:r>
+            <a:r>
+              <a:rPr lang="fr-FR" dirty="0" err="1"/>
+              <a:t>Legacy</a:t>
+            </a:r>
+            <a:r>
+              <a:rPr lang="fr-FR" dirty="0"/>
+              <a:t> &amp; LE)</a:t>
+            </a:r>
+          </a:p>
+          <a:p>
+            <a:r>
+              <a:rPr lang="fr-FR" dirty="0"/>
+              <a:t>512Ko RAM</a:t>
+            </a:r>
+          </a:p>
+          <a:p>
+            <a:r>
+              <a:rPr lang="fr-FR" dirty="0"/>
+              <a:t>3.3V</a:t>
+            </a:r>
+          </a:p>
+          <a:p>
+            <a:r>
+              <a:rPr lang="fr-FR" dirty="0"/>
+              <a:t>Pins : GPIO ~=30 </a:t>
+            </a:r>
+            <a:r>
+              <a:rPr lang="fr-FR" dirty="0" err="1"/>
+              <a:t>Analog</a:t>
+            </a:r>
+            <a:r>
+              <a:rPr lang="fr-FR" dirty="0"/>
+              <a:t>, Digital &amp; PWM</a:t>
+            </a:r>
+          </a:p>
+          <a:p>
+            <a:r>
+              <a:rPr lang="fr-FR" dirty="0"/>
+              <a:t>Bus : I2C, ADC, DAC, UART, CAN, I2S, RMII</a:t>
+            </a:r>
+          </a:p>
+          <a:p>
+            <a:r>
+              <a:rPr lang="fr-FR" dirty="0"/>
+              <a:t>UART</a:t>
+            </a:r>
+          </a:p>
+          <a:p>
+            <a:endParaRPr lang="fr-FR" dirty="0"/>
+          </a:p>
+        </p:txBody>
+      </p:sp>
+    </p:spTree>
+    <p:extLst>
+      <p:ext uri="{BB962C8B-B14F-4D97-AF65-F5344CB8AC3E}">
+        <p14:creationId xmlns:p14="http://schemas.microsoft.com/office/powerpoint/2010/main" val="3415861972"/>
+      </p:ext>
+    </p:extLst>
+  </p:cSld>
+  <p:clrMapOvr>
+    <a:masterClrMapping/>
+  </p:clrMapOvr>
+</p:sld>
+</file>
+
+<file path=ppt/slides/slide6.xml><?xml version="1.0" encoding="utf-8"?>
+<p:sld xmlns:a="http://schemas.openxmlformats.org/drawingml/2006/main" xmlns:r="http://schemas.openxmlformats.org/officeDocument/2006/relationships" xmlns:p="http://schemas.openxmlformats.org/presentationml/2006/main">
+  <p:cSld>
+    <p:spTree>
+      <p:nvGrpSpPr>
+        <p:cNvPr id="1" name=""/>
+        <p:cNvGrpSpPr/>
+        <p:nvPr/>
+      </p:nvGrpSpPr>
+      <p:grpSpPr>
+        <a:xfrm>
+          <a:off x="0" y="0"/>
+          <a:ext cx="0" cy="0"/>
+          <a:chOff x="0" y="0"/>
+          <a:chExt cx="0" cy="0"/>
+        </a:xfrm>
+      </p:grpSpPr>
+      <p:sp>
+        <p:nvSpPr>
+          <p:cNvPr id="2" name="Titre 1">
+            <a:extLst>
+              <a:ext uri="{FF2B5EF4-FFF2-40B4-BE49-F238E27FC236}">
+                <a16:creationId xmlns:a16="http://schemas.microsoft.com/office/drawing/2014/main" id="{B1C7E082-B2D7-EF88-FDBE-42232CE05025}"/>
+              </a:ext>
+            </a:extLst>
+          </p:cNvPr>
+          <p:cNvSpPr>
+            <a:spLocks noGrp="1"/>
+          </p:cNvSpPr>
+          <p:nvPr>
+            <p:ph type="title"/>
+          </p:nvPr>
+        </p:nvSpPr>
+        <p:spPr/>
+        <p:txBody>
+          <a:bodyPr/>
+          <a:lstStyle/>
+          <a:p>
+            <a:r>
+              <a:rPr lang="fr-FR" dirty="0" err="1"/>
+              <a:t>Wroom</a:t>
+            </a:r>
+            <a:endParaRPr lang="fr-FR" dirty="0"/>
+          </a:p>
+        </p:txBody>
+      </p:sp>
+      <p:sp>
+        <p:nvSpPr>
+          <p:cNvPr id="3" name="Espace réservé du contenu 2">
+            <a:extLst>
+              <a:ext uri="{FF2B5EF4-FFF2-40B4-BE49-F238E27FC236}">
+                <a16:creationId xmlns:a16="http://schemas.microsoft.com/office/drawing/2014/main" id="{0E047250-89AA-A55E-BA10-CDCF2E148A2B}"/>
+              </a:ext>
+            </a:extLst>
+          </p:cNvPr>
+          <p:cNvSpPr>
+            <a:spLocks noGrp="1"/>
+          </p:cNvSpPr>
+          <p:nvPr>
+            <p:ph idx="1"/>
+          </p:nvPr>
+        </p:nvSpPr>
+        <p:spPr/>
+        <p:txBody>
+          <a:bodyPr/>
+          <a:lstStyle/>
+          <a:p>
+            <a:r>
+              <a:rPr lang="fr-FR" sz="2400" dirty="0"/>
+              <a:t>VIN = 5V - CP2102 = UART - BOOT = </a:t>
+            </a:r>
+            <a:r>
+              <a:rPr lang="fr-FR" sz="2400" dirty="0" err="1"/>
+              <a:t>Flashing</a:t>
+            </a:r>
+            <a:r>
+              <a:rPr lang="fr-FR" sz="2400" dirty="0"/>
+              <a:t> mode</a:t>
+            </a:r>
+          </a:p>
+        </p:txBody>
+      </p:sp>
+      <p:pic>
+        <p:nvPicPr>
+          <p:cNvPr id="9" name="Image 8">
+            <a:extLst>
+              <a:ext uri="{FF2B5EF4-FFF2-40B4-BE49-F238E27FC236}">
+                <a16:creationId xmlns:a16="http://schemas.microsoft.com/office/drawing/2014/main" id="{7A001429-1990-FE32-EA5C-E17CA0B40AE6}"/>
               </a:ext>
             </a:extLst>
           </p:cNvPr>
@@ -3820,8 +4562,8 @@
         </p:blipFill>
         <p:spPr>
           <a:xfrm>
-            <a:off x="3262129" y="2557341"/>
-            <a:ext cx="2619741" cy="1743318"/>
+            <a:off x="0" y="1890283"/>
+            <a:ext cx="9144000" cy="4876156"/>
           </a:xfrm>
           <a:prstGeom prst="rect">
             <a:avLst/>
@@ -3831,7 +4573,7 @@
     </p:spTree>
     <p:extLst>
       <p:ext uri="{BB962C8B-B14F-4D97-AF65-F5344CB8AC3E}">
-        <p14:creationId xmlns:p14="http://schemas.microsoft.com/office/powerpoint/2010/main" val="3126085762"/>
+        <p14:creationId xmlns:p14="http://schemas.microsoft.com/office/powerpoint/2010/main" val="1077447660"/>
       </p:ext>
     </p:extLst>
   </p:cSld>
@@ -3841,7 +4583,7 @@
 </p:sld>
 </file>
 
-<file path=ppt/slides/slide3.xml><?xml version="1.0" encoding="utf-8"?>
+<file path=ppt/slides/slide7.xml><?xml version="1.0" encoding="utf-8"?>
 <p:sld xmlns:a="http://schemas.openxmlformats.org/drawingml/2006/main" xmlns:r="http://schemas.openxmlformats.org/officeDocument/2006/relationships" xmlns:p="http://schemas.openxmlformats.org/presentationml/2006/main">
   <p:cSld>
     <p:spTree>
@@ -3913,49 +4655,32 @@
       </p:sp>
       <p:pic>
         <p:nvPicPr>
-          <p:cNvPr id="1026" name="Picture 2" descr="esp32 pinout de la carte uPesy ESP32 Wroom DevKit">
+          <p:cNvPr id="5" name="Image 4">
             <a:extLst>
               <a:ext uri="{FF2B5EF4-FFF2-40B4-BE49-F238E27FC236}">
-                <a16:creationId xmlns:a16="http://schemas.microsoft.com/office/drawing/2014/main" id="{D8288CDF-9512-BD76-9CFB-6C2C6DC66663}"/>
+                <a16:creationId xmlns:a16="http://schemas.microsoft.com/office/drawing/2014/main" id="{06151C27-EEDF-24CA-DA69-208CDFEE19DA}"/>
               </a:ext>
             </a:extLst>
           </p:cNvPr>
           <p:cNvPicPr>
-            <a:picLocks noChangeAspect="1" noChangeArrowheads="1"/>
+            <a:picLocks noChangeAspect="1"/>
           </p:cNvPicPr>
           <p:nvPr/>
         </p:nvPicPr>
         <p:blipFill>
-          <a:blip r:embed="rId2">
-            <a:extLst>
-              <a:ext uri="{28A0092B-C50C-407E-A947-70E740481C1C}">
-                <a14:useLocalDpi xmlns:a14="http://schemas.microsoft.com/office/drawing/2010/main" val="0"/>
-              </a:ext>
-            </a:extLst>
-          </a:blip>
-          <a:srcRect/>
+          <a:blip r:embed="rId2"/>
           <a:stretch>
             <a:fillRect/>
           </a:stretch>
         </p:blipFill>
-        <p:spPr bwMode="auto">
+        <p:spPr>
           <a:xfrm>
-            <a:off x="0" y="1444625"/>
-            <a:ext cx="9144000" cy="3968750"/>
+            <a:off x="0" y="980728"/>
+            <a:ext cx="9144000" cy="5557484"/>
           </a:xfrm>
           <a:prstGeom prst="rect">
             <a:avLst/>
           </a:prstGeom>
-          <a:noFill/>
-          <a:extLst>
-            <a:ext uri="{909E8E84-426E-40DD-AFC4-6F175D3DCCD1}">
-              <a14:hiddenFill xmlns:a14="http://schemas.microsoft.com/office/drawing/2010/main">
-                <a:solidFill>
-                  <a:srgbClr val="FFFFFF"/>
-                </a:solidFill>
-              </a14:hiddenFill>
-            </a:ext>
-          </a:extLst>
         </p:spPr>
       </p:pic>
     </p:spTree>
@@ -3971,7 +4696,7 @@
 </p:sld>
 </file>
 
-<file path=ppt/slides/slide4.xml><?xml version="1.0" encoding="utf-8"?>
+<file path=ppt/slides/slide8.xml><?xml version="1.0" encoding="utf-8"?>
 <p:sld xmlns:a="http://schemas.openxmlformats.org/drawingml/2006/main" xmlns:r="http://schemas.openxmlformats.org/officeDocument/2006/relationships" xmlns:p="http://schemas.openxmlformats.org/presentationml/2006/main">
   <p:cSld>
     <p:spTree>
@@ -3993,7 +4718,7 @@
           <p:cNvPr id="2" name="Titre 1">
             <a:extLst>
               <a:ext uri="{FF2B5EF4-FFF2-40B4-BE49-F238E27FC236}">
-                <a16:creationId xmlns:a16="http://schemas.microsoft.com/office/drawing/2014/main" id="{AEB4854F-B988-C0A7-0E7B-A95D29ECE72B}"/>
+                <a16:creationId xmlns:a16="http://schemas.microsoft.com/office/drawing/2014/main" id="{33AB94E6-8F56-C471-88D2-20F798497698}"/>
               </a:ext>
             </a:extLst>
           </p:cNvPr>
@@ -4009,7 +4734,10 @@
           <a:bodyPr/>
           <a:lstStyle/>
           <a:p>
-            <a:endParaRPr lang="fr-FR"/>
+            <a:r>
+              <a:rPr lang="fr-FR" dirty="0"/>
+              <a:t>GPIO</a:t>
+            </a:r>
           </a:p>
         </p:txBody>
       </p:sp>
@@ -4018,7 +4746,7 @@
           <p:cNvPr id="3" name="Espace réservé du contenu 2">
             <a:extLst>
               <a:ext uri="{FF2B5EF4-FFF2-40B4-BE49-F238E27FC236}">
-                <a16:creationId xmlns:a16="http://schemas.microsoft.com/office/drawing/2014/main" id="{D8AC2C3E-61C7-D7C6-F464-7250F5CFA75D}"/>
+                <a16:creationId xmlns:a16="http://schemas.microsoft.com/office/drawing/2014/main" id="{B8FD3090-62D6-C7E8-956B-E506D8FCFFA2}"/>
               </a:ext>
             </a:extLst>
           </p:cNvPr>
@@ -4034,23 +4762,74 @@
           <a:bodyPr/>
           <a:lstStyle/>
           <a:p>
-            <a:r>
-              <a:rPr lang="fr-FR" dirty="0"/>
-              <a:t>https://www.upesy.fr/blogs/tutorials/esp32-pinout-reference-gpio-pins-ultimate-guide#d852f1174e4e9d90592df1b1ad43 </a:t>
-            </a:r>
-          </a:p>
-          <a:p>
-            <a:r>
-              <a:rPr lang="fr-FR" dirty="0"/>
-              <a:t>https://www.upesy.fr/blogs/tutorials/measure-voltage-on-esp32-with-adc-with-arduino-code#af501f4755b4481c819677dad67db67a </a:t>
-            </a:r>
+            <a:endParaRPr lang="fr-FR" dirty="0"/>
           </a:p>
         </p:txBody>
       </p:sp>
+      <p:pic>
+        <p:nvPicPr>
+          <p:cNvPr id="5" name="Image 4">
+            <a:extLst>
+              <a:ext uri="{FF2B5EF4-FFF2-40B4-BE49-F238E27FC236}">
+                <a16:creationId xmlns:a16="http://schemas.microsoft.com/office/drawing/2014/main" id="{D2EEB6B6-0443-EA92-5FB6-85150F7F4794}"/>
+              </a:ext>
+            </a:extLst>
+          </p:cNvPr>
+          <p:cNvPicPr>
+            <a:picLocks noChangeAspect="1"/>
+          </p:cNvPicPr>
+          <p:nvPr/>
+        </p:nvPicPr>
+        <p:blipFill>
+          <a:blip r:embed="rId2"/>
+          <a:stretch>
+            <a:fillRect/>
+          </a:stretch>
+        </p:blipFill>
+        <p:spPr>
+          <a:xfrm>
+            <a:off x="53083" y="1065945"/>
+            <a:ext cx="5205022" cy="5792055"/>
+          </a:xfrm>
+          <a:prstGeom prst="rect">
+            <a:avLst/>
+          </a:prstGeom>
+        </p:spPr>
+      </p:pic>
+      <p:pic>
+        <p:nvPicPr>
+          <p:cNvPr id="7" name="Image 6">
+            <a:extLst>
+              <a:ext uri="{FF2B5EF4-FFF2-40B4-BE49-F238E27FC236}">
+                <a16:creationId xmlns:a16="http://schemas.microsoft.com/office/drawing/2014/main" id="{9F722A31-90F4-7BC3-0067-516DB8ECEC1F}"/>
+              </a:ext>
+            </a:extLst>
+          </p:cNvPr>
+          <p:cNvPicPr>
+            <a:picLocks noChangeAspect="1"/>
+          </p:cNvPicPr>
+          <p:nvPr/>
+        </p:nvPicPr>
+        <p:blipFill>
+          <a:blip r:embed="rId3"/>
+          <a:stretch>
+            <a:fillRect/>
+          </a:stretch>
+        </p:blipFill>
+        <p:spPr>
+          <a:xfrm>
+            <a:off x="5102597" y="1028937"/>
+            <a:ext cx="4211960" cy="5808237"/>
+          </a:xfrm>
+          <a:prstGeom prst="rect">
+            <a:avLst/>
+          </a:prstGeom>
+        </p:spPr>
+      </p:pic>
     </p:spTree>
     <p:extLst>
       <p:ext uri="{BB962C8B-B14F-4D97-AF65-F5344CB8AC3E}">
-        <p14:creationId xmlns:p14="http://schemas.microsoft.com/office/powerpoint/2010/main" val="2110673066"/>
+        <p14:creationId xmlns:p14="http://schemas.microsoft.com/office/powerpoint/2010/main" val="3910098310"/>
       </p:ext>
     </p:extLst>
   </p:cSld>
@@ -4060,7 +4839,7 @@
 </p:sld>
 </file>
 
-<file path=ppt/slides/slide5.xml><?xml version="1.0" encoding="utf-8"?>
+<file path=ppt/slides/slide9.xml><?xml version="1.0" encoding="utf-8"?>
 <p:sld xmlns:a="http://schemas.openxmlformats.org/drawingml/2006/main" xmlns:r="http://schemas.openxmlformats.org/officeDocument/2006/relationships" xmlns:p="http://schemas.openxmlformats.org/presentationml/2006/main">
   <p:cSld>
     <p:spTree>
@@ -4082,7 +4861,7 @@
           <p:cNvPr id="2" name="Titre 1">
             <a:extLst>
               <a:ext uri="{FF2B5EF4-FFF2-40B4-BE49-F238E27FC236}">
-                <a16:creationId xmlns:a16="http://schemas.microsoft.com/office/drawing/2014/main" id="{B0BE374C-D77F-86AD-3A9D-1CB472B08323}"/>
+                <a16:creationId xmlns:a16="http://schemas.microsoft.com/office/drawing/2014/main" id="{19CE7A37-910E-B1FE-0765-95A2C56AD940}"/>
               </a:ext>
             </a:extLst>
           </p:cNvPr>
@@ -4100,7 +4879,7 @@
           <a:p>
             <a:r>
               <a:rPr lang="fr-FR" dirty="0"/>
-              <a:t>Arduino Nano</a:t>
+              <a:t>PWM</a:t>
             </a:r>
           </a:p>
         </p:txBody>
@@ -4110,7 +4889,7 @@
           <p:cNvPr id="3" name="Espace réservé du contenu 2">
             <a:extLst>
               <a:ext uri="{FF2B5EF4-FFF2-40B4-BE49-F238E27FC236}">
-                <a16:creationId xmlns:a16="http://schemas.microsoft.com/office/drawing/2014/main" id="{44807343-8FCA-7320-CFC3-2A2CDF312B43}"/>
+                <a16:creationId xmlns:a16="http://schemas.microsoft.com/office/drawing/2014/main" id="{8FD30AEA-00E5-BE99-AB47-F1F6A38DE79C}"/>
               </a:ext>
             </a:extLst>
           </p:cNvPr>
@@ -4128,24 +4907,15 @@
           <a:p>
             <a:r>
               <a:rPr lang="fr-FR" dirty="0"/>
-              <a:t>Un ESP32 chez Arduino</a:t>
-            </a:r>
-          </a:p>
-          <a:p>
-            <a:r>
-              <a:rPr lang="fr-FR" dirty="0"/>
-              <a:t>Arduino Nano ESP32 https://docs.arduino.cc/tutorials/nano-esp32/cheat-sheet/ </a:t>
-            </a:r>
-          </a:p>
-          <a:p>
-            <a:endParaRPr lang="fr-FR" dirty="0"/>
+              <a:t>Tous les pins disponibles en output peuvent être mis en PWM</a:t>
+            </a:r>
           </a:p>
         </p:txBody>
       </p:sp>
     </p:spTree>
     <p:extLst>
       <p:ext uri="{BB962C8B-B14F-4D97-AF65-F5344CB8AC3E}">
-        <p14:creationId xmlns:p14="http://schemas.microsoft.com/office/powerpoint/2010/main" val="3473560995"/>
+        <p14:creationId xmlns:p14="http://schemas.microsoft.com/office/powerpoint/2010/main" val="3943653604"/>
       </p:ext>
     </p:extLst>
   </p:cSld>

--- a/ppt/IoT17-ESP32.pptx
+++ b/ppt/IoT17-ESP32.pptx
@@ -5,10 +5,10 @@
     <p:sldMasterId id="2147483653" r:id="rId1"/>
   </p:sldMasterIdLst>
   <p:notesMasterIdLst>
-    <p:notesMasterId r:id="rId13"/>
+    <p:notesMasterId r:id="rId14"/>
   </p:notesMasterIdLst>
   <p:handoutMasterIdLst>
-    <p:handoutMasterId r:id="rId14"/>
+    <p:handoutMasterId r:id="rId15"/>
   </p:handoutMasterIdLst>
   <p:sldIdLst>
     <p:sldId id="264" r:id="rId2"/>
@@ -22,6 +22,7 @@
     <p:sldId id="274" r:id="rId10"/>
     <p:sldId id="275" r:id="rId11"/>
     <p:sldId id="265" r:id="rId12"/>
+    <p:sldId id="276" r:id="rId13"/>
   </p:sldIdLst>
   <p:sldSz cx="9144000" cy="6858000" type="screen4x3"/>
   <p:notesSz cx="6648450" cy="9782175"/>
@@ -3922,10 +3923,153 @@
           </a:p>
         </p:txBody>
       </p:sp>
+      <p:pic>
+        <p:nvPicPr>
+          <p:cNvPr id="5" name="Image 4">
+            <a:extLst>
+              <a:ext uri="{FF2B5EF4-FFF2-40B4-BE49-F238E27FC236}">
+                <a16:creationId xmlns:a16="http://schemas.microsoft.com/office/drawing/2014/main" id="{8807AF39-761E-2530-423B-D048250C2F33}"/>
+              </a:ext>
+            </a:extLst>
+          </p:cNvPr>
+          <p:cNvPicPr>
+            <a:picLocks noChangeAspect="1"/>
+          </p:cNvPicPr>
+          <p:nvPr/>
+        </p:nvPicPr>
+        <p:blipFill>
+          <a:blip r:embed="rId2"/>
+          <a:stretch>
+            <a:fillRect/>
+          </a:stretch>
+        </p:blipFill>
+        <p:spPr>
+          <a:xfrm>
+            <a:off x="2771800" y="3068960"/>
+            <a:ext cx="2829320" cy="2953162"/>
+          </a:xfrm>
+          <a:prstGeom prst="rect">
+            <a:avLst/>
+          </a:prstGeom>
+        </p:spPr>
+      </p:pic>
     </p:spTree>
     <p:extLst>
       <p:ext uri="{BB962C8B-B14F-4D97-AF65-F5344CB8AC3E}">
         <p14:creationId xmlns:p14="http://schemas.microsoft.com/office/powerpoint/2010/main" val="3126085762"/>
+      </p:ext>
+    </p:extLst>
+  </p:cSld>
+  <p:clrMapOvr>
+    <a:masterClrMapping/>
+  </p:clrMapOvr>
+</p:sld>
+</file>
+
+<file path=ppt/slides/slide12.xml><?xml version="1.0" encoding="utf-8"?>
+<p:sld xmlns:a="http://schemas.openxmlformats.org/drawingml/2006/main" xmlns:r="http://schemas.openxmlformats.org/officeDocument/2006/relationships" xmlns:p="http://schemas.openxmlformats.org/presentationml/2006/main">
+  <p:cSld>
+    <p:spTree>
+      <p:nvGrpSpPr>
+        <p:cNvPr id="1" name=""/>
+        <p:cNvGrpSpPr/>
+        <p:nvPr/>
+      </p:nvGrpSpPr>
+      <p:grpSpPr>
+        <a:xfrm>
+          <a:off x="0" y="0"/>
+          <a:ext cx="0" cy="0"/>
+          <a:chOff x="0" y="0"/>
+          <a:chExt cx="0" cy="0"/>
+        </a:xfrm>
+      </p:grpSpPr>
+      <p:sp>
+        <p:nvSpPr>
+          <p:cNvPr id="2" name="Titre 1">
+            <a:extLst>
+              <a:ext uri="{FF2B5EF4-FFF2-40B4-BE49-F238E27FC236}">
+                <a16:creationId xmlns:a16="http://schemas.microsoft.com/office/drawing/2014/main" id="{6CC916DA-0DDA-76AB-84F1-273678146802}"/>
+              </a:ext>
+            </a:extLst>
+          </p:cNvPr>
+          <p:cNvSpPr>
+            <a:spLocks noGrp="1"/>
+          </p:cNvSpPr>
+          <p:nvPr>
+            <p:ph type="title"/>
+          </p:nvPr>
+        </p:nvSpPr>
+        <p:spPr/>
+        <p:txBody>
+          <a:bodyPr/>
+          <a:lstStyle/>
+          <a:p>
+            <a:r>
+              <a:rPr lang="fr-FR" dirty="0"/>
+              <a:t>Arduino Studio</a:t>
+            </a:r>
+          </a:p>
+        </p:txBody>
+      </p:sp>
+      <p:sp>
+        <p:nvSpPr>
+          <p:cNvPr id="3" name="Espace réservé du contenu 2">
+            <a:extLst>
+              <a:ext uri="{FF2B5EF4-FFF2-40B4-BE49-F238E27FC236}">
+                <a16:creationId xmlns:a16="http://schemas.microsoft.com/office/drawing/2014/main" id="{E2292EA5-ADB6-1FD4-6115-875CFB107A86}"/>
+              </a:ext>
+            </a:extLst>
+          </p:cNvPr>
+          <p:cNvSpPr>
+            <a:spLocks noGrp="1"/>
+          </p:cNvSpPr>
+          <p:nvPr>
+            <p:ph idx="1"/>
+          </p:nvPr>
+        </p:nvSpPr>
+        <p:spPr/>
+        <p:txBody>
+          <a:bodyPr/>
+          <a:lstStyle/>
+          <a:p>
+            <a:endParaRPr lang="fr-FR"/>
+          </a:p>
+        </p:txBody>
+      </p:sp>
+      <p:pic>
+        <p:nvPicPr>
+          <p:cNvPr id="5" name="Image 4">
+            <a:extLst>
+              <a:ext uri="{FF2B5EF4-FFF2-40B4-BE49-F238E27FC236}">
+                <a16:creationId xmlns:a16="http://schemas.microsoft.com/office/drawing/2014/main" id="{4B101E80-7A74-B975-0C6A-67CD2A525360}"/>
+              </a:ext>
+            </a:extLst>
+          </p:cNvPr>
+          <p:cNvPicPr>
+            <a:picLocks noChangeAspect="1"/>
+          </p:cNvPicPr>
+          <p:nvPr/>
+        </p:nvPicPr>
+        <p:blipFill>
+          <a:blip r:embed="rId2"/>
+          <a:stretch>
+            <a:fillRect/>
+          </a:stretch>
+        </p:blipFill>
+        <p:spPr>
+          <a:xfrm>
+            <a:off x="0" y="2018849"/>
+            <a:ext cx="9144000" cy="2820302"/>
+          </a:xfrm>
+          <a:prstGeom prst="rect">
+            <a:avLst/>
+          </a:prstGeom>
+        </p:spPr>
+      </p:pic>
+    </p:spTree>
+    <p:extLst>
+      <p:ext uri="{BB962C8B-B14F-4D97-AF65-F5344CB8AC3E}">
+        <p14:creationId xmlns:p14="http://schemas.microsoft.com/office/powerpoint/2010/main" val="3137703711"/>
       </p:ext>
     </p:extLst>
   </p:cSld>

--- a/ppt/IoT17-ESP32.pptx
+++ b/ppt/IoT17-ESP32.pptx
@@ -5,24 +5,25 @@
     <p:sldMasterId id="2147483653" r:id="rId1"/>
   </p:sldMasterIdLst>
   <p:notesMasterIdLst>
-    <p:notesMasterId r:id="rId14"/>
+    <p:notesMasterId r:id="rId15"/>
   </p:notesMasterIdLst>
   <p:handoutMasterIdLst>
-    <p:handoutMasterId r:id="rId15"/>
+    <p:handoutMasterId r:id="rId16"/>
   </p:handoutMasterIdLst>
   <p:sldIdLst>
     <p:sldId id="264" r:id="rId2"/>
     <p:sldId id="270" r:id="rId3"/>
     <p:sldId id="268" r:id="rId4"/>
     <p:sldId id="269" r:id="rId5"/>
-    <p:sldId id="271" r:id="rId6"/>
-    <p:sldId id="272" r:id="rId7"/>
-    <p:sldId id="266" r:id="rId8"/>
-    <p:sldId id="273" r:id="rId9"/>
-    <p:sldId id="274" r:id="rId10"/>
-    <p:sldId id="275" r:id="rId11"/>
-    <p:sldId id="265" r:id="rId12"/>
-    <p:sldId id="276" r:id="rId13"/>
+    <p:sldId id="277" r:id="rId6"/>
+    <p:sldId id="271" r:id="rId7"/>
+    <p:sldId id="272" r:id="rId8"/>
+    <p:sldId id="266" r:id="rId9"/>
+    <p:sldId id="273" r:id="rId10"/>
+    <p:sldId id="274" r:id="rId11"/>
+    <p:sldId id="275" r:id="rId12"/>
+    <p:sldId id="265" r:id="rId13"/>
+    <p:sldId id="276" r:id="rId14"/>
   </p:sldIdLst>
   <p:sldSz cx="9144000" cy="6858000" type="screen4x3"/>
   <p:notesSz cx="6648450" cy="9782175"/>
@@ -3760,6 +3761,92 @@
           <p:cNvPr id="2" name="Titre 1">
             <a:extLst>
               <a:ext uri="{FF2B5EF4-FFF2-40B4-BE49-F238E27FC236}">
+                <a16:creationId xmlns:a16="http://schemas.microsoft.com/office/drawing/2014/main" id="{19CE7A37-910E-B1FE-0765-95A2C56AD940}"/>
+              </a:ext>
+            </a:extLst>
+          </p:cNvPr>
+          <p:cNvSpPr>
+            <a:spLocks noGrp="1"/>
+          </p:cNvSpPr>
+          <p:nvPr>
+            <p:ph type="title"/>
+          </p:nvPr>
+        </p:nvSpPr>
+        <p:spPr/>
+        <p:txBody>
+          <a:bodyPr/>
+          <a:lstStyle/>
+          <a:p>
+            <a:r>
+              <a:rPr lang="fr-FR" dirty="0"/>
+              <a:t>PWM</a:t>
+            </a:r>
+          </a:p>
+        </p:txBody>
+      </p:sp>
+      <p:sp>
+        <p:nvSpPr>
+          <p:cNvPr id="3" name="Espace réservé du contenu 2">
+            <a:extLst>
+              <a:ext uri="{FF2B5EF4-FFF2-40B4-BE49-F238E27FC236}">
+                <a16:creationId xmlns:a16="http://schemas.microsoft.com/office/drawing/2014/main" id="{8FD30AEA-00E5-BE99-AB47-F1F6A38DE79C}"/>
+              </a:ext>
+            </a:extLst>
+          </p:cNvPr>
+          <p:cNvSpPr>
+            <a:spLocks noGrp="1"/>
+          </p:cNvSpPr>
+          <p:nvPr>
+            <p:ph idx="1"/>
+          </p:nvPr>
+        </p:nvSpPr>
+        <p:spPr/>
+        <p:txBody>
+          <a:bodyPr/>
+          <a:lstStyle/>
+          <a:p>
+            <a:r>
+              <a:rPr lang="fr-FR" dirty="0"/>
+              <a:t>Tous les pins disponibles en output peuvent être mis en PWM</a:t>
+            </a:r>
+          </a:p>
+        </p:txBody>
+      </p:sp>
+    </p:spTree>
+    <p:extLst>
+      <p:ext uri="{BB962C8B-B14F-4D97-AF65-F5344CB8AC3E}">
+        <p14:creationId xmlns:p14="http://schemas.microsoft.com/office/powerpoint/2010/main" val="3943653604"/>
+      </p:ext>
+    </p:extLst>
+  </p:cSld>
+  <p:clrMapOvr>
+    <a:masterClrMapping/>
+  </p:clrMapOvr>
+</p:sld>
+</file>
+
+<file path=ppt/slides/slide11.xml><?xml version="1.0" encoding="utf-8"?>
+<p:sld xmlns:a="http://schemas.openxmlformats.org/drawingml/2006/main" xmlns:r="http://schemas.openxmlformats.org/officeDocument/2006/relationships" xmlns:p="http://schemas.openxmlformats.org/presentationml/2006/main">
+  <p:cSld>
+    <p:spTree>
+      <p:nvGrpSpPr>
+        <p:cNvPr id="1" name=""/>
+        <p:cNvGrpSpPr/>
+        <p:nvPr/>
+      </p:nvGrpSpPr>
+      <p:grpSpPr>
+        <a:xfrm>
+          <a:off x="0" y="0"/>
+          <a:ext cx="0" cy="0"/>
+          <a:chOff x="0" y="0"/>
+          <a:chExt cx="0" cy="0"/>
+        </a:xfrm>
+      </p:grpSpPr>
+      <p:sp>
+        <p:nvSpPr>
+          <p:cNvPr id="2" name="Titre 1">
+            <a:extLst>
+              <a:ext uri="{FF2B5EF4-FFF2-40B4-BE49-F238E27FC236}">
                 <a16:creationId xmlns:a16="http://schemas.microsoft.com/office/drawing/2014/main" id="{6AB1221F-BE82-EB33-AC5F-BFC010701BC9}"/>
               </a:ext>
             </a:extLst>
@@ -3831,7 +3918,7 @@
 </p:sld>
 </file>
 
-<file path=ppt/slides/slide11.xml><?xml version="1.0" encoding="utf-8"?>
+<file path=ppt/slides/slide12.xml><?xml version="1.0" encoding="utf-8"?>
 <p:sld xmlns:a="http://schemas.openxmlformats.org/drawingml/2006/main" xmlns:r="http://schemas.openxmlformats.org/officeDocument/2006/relationships" xmlns:p="http://schemas.openxmlformats.org/presentationml/2006/main">
   <p:cSld>
     <p:spTree>
@@ -3966,7 +4053,7 @@
 </p:sld>
 </file>
 
-<file path=ppt/slides/slide12.xml><?xml version="1.0" encoding="utf-8"?>
+<file path=ppt/slides/slide13.xml><?xml version="1.0" encoding="utf-8"?>
 <p:sld xmlns:a="http://schemas.openxmlformats.org/drawingml/2006/main" xmlns:r="http://schemas.openxmlformats.org/officeDocument/2006/relationships" xmlns:p="http://schemas.openxmlformats.org/presentationml/2006/main">
   <p:cSld>
     <p:spTree>
@@ -4468,6 +4555,134 @@
           <p:cNvPr id="2" name="Titre 1">
             <a:extLst>
               <a:ext uri="{FF2B5EF4-FFF2-40B4-BE49-F238E27FC236}">
+                <a16:creationId xmlns:a16="http://schemas.microsoft.com/office/drawing/2014/main" id="{56B7DC3F-8D62-6DCF-ED04-0B189B689567}"/>
+              </a:ext>
+            </a:extLst>
+          </p:cNvPr>
+          <p:cNvSpPr>
+            <a:spLocks noGrp="1"/>
+          </p:cNvSpPr>
+          <p:nvPr>
+            <p:ph type="title"/>
+          </p:nvPr>
+        </p:nvSpPr>
+        <p:spPr/>
+        <p:txBody>
+          <a:bodyPr/>
+          <a:lstStyle/>
+          <a:p>
+            <a:r>
+              <a:rPr lang="fr-FR" dirty="0"/>
+              <a:t>Alimentation</a:t>
+            </a:r>
+          </a:p>
+        </p:txBody>
+      </p:sp>
+      <p:sp>
+        <p:nvSpPr>
+          <p:cNvPr id="3" name="Espace réservé du contenu 2">
+            <a:extLst>
+              <a:ext uri="{FF2B5EF4-FFF2-40B4-BE49-F238E27FC236}">
+                <a16:creationId xmlns:a16="http://schemas.microsoft.com/office/drawing/2014/main" id="{AA8A7568-E740-6FA4-ECDF-2C55071A6AA8}"/>
+              </a:ext>
+            </a:extLst>
+          </p:cNvPr>
+          <p:cNvSpPr>
+            <a:spLocks noGrp="1"/>
+          </p:cNvSpPr>
+          <p:nvPr>
+            <p:ph idx="1"/>
+          </p:nvPr>
+        </p:nvSpPr>
+        <p:spPr/>
+        <p:txBody>
+          <a:bodyPr/>
+          <a:lstStyle/>
+          <a:p>
+            <a:r>
+              <a:rPr lang="fr-FR" dirty="0"/>
+              <a:t>Par USB 5v</a:t>
+            </a:r>
+          </a:p>
+          <a:p>
+            <a:r>
+              <a:rPr lang="fr-FR" dirty="0"/>
+              <a:t>Par VIN 5v</a:t>
+            </a:r>
+          </a:p>
+          <a:p>
+            <a:pPr lvl="1"/>
+            <a:r>
+              <a:rPr lang="fr-FR" dirty="0"/>
+              <a:t>Ne pas brancher </a:t>
+            </a:r>
+            <a:r>
+              <a:rPr lang="fr-FR"/>
+              <a:t>en même temps VIN &amp; USB</a:t>
+            </a:r>
+            <a:endParaRPr lang="fr-FR" dirty="0"/>
+          </a:p>
+          <a:p>
+            <a:r>
+              <a:rPr lang="fr-FR" dirty="0"/>
+              <a:t>Sorties</a:t>
+            </a:r>
+          </a:p>
+          <a:p>
+            <a:pPr lvl="1"/>
+            <a:r>
+              <a:rPr lang="fr-FR" dirty="0"/>
+              <a:t>VIN 5v</a:t>
+            </a:r>
+          </a:p>
+          <a:p>
+            <a:pPr lvl="1"/>
+            <a:r>
+              <a:rPr lang="fr-FR" dirty="0"/>
+              <a:t>Pin 3.3v</a:t>
+            </a:r>
+          </a:p>
+          <a:p>
+            <a:pPr lvl="1"/>
+            <a:endParaRPr lang="fr-FR" dirty="0"/>
+          </a:p>
+        </p:txBody>
+      </p:sp>
+    </p:spTree>
+    <p:extLst>
+      <p:ext uri="{BB962C8B-B14F-4D97-AF65-F5344CB8AC3E}">
+        <p14:creationId xmlns:p14="http://schemas.microsoft.com/office/powerpoint/2010/main" val="2574553853"/>
+      </p:ext>
+    </p:extLst>
+  </p:cSld>
+  <p:clrMapOvr>
+    <a:masterClrMapping/>
+  </p:clrMapOvr>
+</p:sld>
+</file>
+
+<file path=ppt/slides/slide6.xml><?xml version="1.0" encoding="utf-8"?>
+<p:sld xmlns:a="http://schemas.openxmlformats.org/drawingml/2006/main" xmlns:r="http://schemas.openxmlformats.org/officeDocument/2006/relationships" xmlns:p="http://schemas.openxmlformats.org/presentationml/2006/main">
+  <p:cSld>
+    <p:spTree>
+      <p:nvGrpSpPr>
+        <p:cNvPr id="1" name=""/>
+        <p:cNvGrpSpPr/>
+        <p:nvPr/>
+      </p:nvGrpSpPr>
+      <p:grpSpPr>
+        <a:xfrm>
+          <a:off x="0" y="0"/>
+          <a:ext cx="0" cy="0"/>
+          <a:chOff x="0" y="0"/>
+          <a:chExt cx="0" cy="0"/>
+        </a:xfrm>
+      </p:grpSpPr>
+      <p:sp>
+        <p:nvSpPr>
+          <p:cNvPr id="2" name="Titre 1">
+            <a:extLst>
+              <a:ext uri="{FF2B5EF4-FFF2-40B4-BE49-F238E27FC236}">
                 <a16:creationId xmlns:a16="http://schemas.microsoft.com/office/drawing/2014/main" id="{CB496E42-5DDB-036D-E3E7-F635A8B1AC6C}"/>
               </a:ext>
             </a:extLst>
@@ -4602,7 +4817,7 @@
 </p:sld>
 </file>
 
-<file path=ppt/slides/slide6.xml><?xml version="1.0" encoding="utf-8"?>
+<file path=ppt/slides/slide7.xml><?xml version="1.0" encoding="utf-8"?>
 <p:sld xmlns:a="http://schemas.openxmlformats.org/drawingml/2006/main" xmlns:r="http://schemas.openxmlformats.org/officeDocument/2006/relationships" xmlns:p="http://schemas.openxmlformats.org/presentationml/2006/main">
   <p:cSld>
     <p:spTree>
@@ -4727,7 +4942,7 @@
 </p:sld>
 </file>
 
-<file path=ppt/slides/slide7.xml><?xml version="1.0" encoding="utf-8"?>
+<file path=ppt/slides/slide8.xml><?xml version="1.0" encoding="utf-8"?>
 <p:sld xmlns:a="http://schemas.openxmlformats.org/drawingml/2006/main" xmlns:r="http://schemas.openxmlformats.org/officeDocument/2006/relationships" xmlns:p="http://schemas.openxmlformats.org/presentationml/2006/main">
   <p:cSld>
     <p:spTree>
@@ -4840,7 +5055,7 @@
 </p:sld>
 </file>
 
-<file path=ppt/slides/slide8.xml><?xml version="1.0" encoding="utf-8"?>
+<file path=ppt/slides/slide9.xml><?xml version="1.0" encoding="utf-8"?>
 <p:sld xmlns:a="http://schemas.openxmlformats.org/drawingml/2006/main" xmlns:r="http://schemas.openxmlformats.org/officeDocument/2006/relationships" xmlns:p="http://schemas.openxmlformats.org/presentationml/2006/main">
   <p:cSld>
     <p:spTree>
@@ -4974,92 +5189,6 @@
     <p:extLst>
       <p:ext uri="{BB962C8B-B14F-4D97-AF65-F5344CB8AC3E}">
         <p14:creationId xmlns:p14="http://schemas.microsoft.com/office/powerpoint/2010/main" val="3910098310"/>
-      </p:ext>
-    </p:extLst>
-  </p:cSld>
-  <p:clrMapOvr>
-    <a:masterClrMapping/>
-  </p:clrMapOvr>
-</p:sld>
-</file>
-
-<file path=ppt/slides/slide9.xml><?xml version="1.0" encoding="utf-8"?>
-<p:sld xmlns:a="http://schemas.openxmlformats.org/drawingml/2006/main" xmlns:r="http://schemas.openxmlformats.org/officeDocument/2006/relationships" xmlns:p="http://schemas.openxmlformats.org/presentationml/2006/main">
-  <p:cSld>
-    <p:spTree>
-      <p:nvGrpSpPr>
-        <p:cNvPr id="1" name=""/>
-        <p:cNvGrpSpPr/>
-        <p:nvPr/>
-      </p:nvGrpSpPr>
-      <p:grpSpPr>
-        <a:xfrm>
-          <a:off x="0" y="0"/>
-          <a:ext cx="0" cy="0"/>
-          <a:chOff x="0" y="0"/>
-          <a:chExt cx="0" cy="0"/>
-        </a:xfrm>
-      </p:grpSpPr>
-      <p:sp>
-        <p:nvSpPr>
-          <p:cNvPr id="2" name="Titre 1">
-            <a:extLst>
-              <a:ext uri="{FF2B5EF4-FFF2-40B4-BE49-F238E27FC236}">
-                <a16:creationId xmlns:a16="http://schemas.microsoft.com/office/drawing/2014/main" id="{19CE7A37-910E-B1FE-0765-95A2C56AD940}"/>
-              </a:ext>
-            </a:extLst>
-          </p:cNvPr>
-          <p:cNvSpPr>
-            <a:spLocks noGrp="1"/>
-          </p:cNvSpPr>
-          <p:nvPr>
-            <p:ph type="title"/>
-          </p:nvPr>
-        </p:nvSpPr>
-        <p:spPr/>
-        <p:txBody>
-          <a:bodyPr/>
-          <a:lstStyle/>
-          <a:p>
-            <a:r>
-              <a:rPr lang="fr-FR" dirty="0"/>
-              <a:t>PWM</a:t>
-            </a:r>
-          </a:p>
-        </p:txBody>
-      </p:sp>
-      <p:sp>
-        <p:nvSpPr>
-          <p:cNvPr id="3" name="Espace réservé du contenu 2">
-            <a:extLst>
-              <a:ext uri="{FF2B5EF4-FFF2-40B4-BE49-F238E27FC236}">
-                <a16:creationId xmlns:a16="http://schemas.microsoft.com/office/drawing/2014/main" id="{8FD30AEA-00E5-BE99-AB47-F1F6A38DE79C}"/>
-              </a:ext>
-            </a:extLst>
-          </p:cNvPr>
-          <p:cNvSpPr>
-            <a:spLocks noGrp="1"/>
-          </p:cNvSpPr>
-          <p:nvPr>
-            <p:ph idx="1"/>
-          </p:nvPr>
-        </p:nvSpPr>
-        <p:spPr/>
-        <p:txBody>
-          <a:bodyPr/>
-          <a:lstStyle/>
-          <a:p>
-            <a:r>
-              <a:rPr lang="fr-FR" dirty="0"/>
-              <a:t>Tous les pins disponibles en output peuvent être mis en PWM</a:t>
-            </a:r>
-          </a:p>
-        </p:txBody>
-      </p:sp>
-    </p:spTree>
-    <p:extLst>
-      <p:ext uri="{BB962C8B-B14F-4D97-AF65-F5344CB8AC3E}">
-        <p14:creationId xmlns:p14="http://schemas.microsoft.com/office/powerpoint/2010/main" val="3943653604"/>
       </p:ext>
     </p:extLst>
   </p:cSld>

--- a/ppt/IoT17-ESP32.pptx
+++ b/ppt/IoT17-ESP32.pptx
@@ -5444,9 +5444,16 @@
             </a:r>
           </a:p>
           <a:p>
-            <a:r>
-              <a:rPr lang="fr-FR" dirty="0"/>
-              <a:t>Par VIN 5v</a:t>
+            <a:pPr lvl="1"/>
+            <a:r>
+              <a:rPr lang="fr-FR" dirty="0"/>
+              <a:t>VIN vaut alors 5v</a:t>
+            </a:r>
+          </a:p>
+          <a:p>
+            <a:r>
+              <a:rPr lang="fr-FR" dirty="0"/>
+              <a:t>Par VIN 6v à 9v</a:t>
             </a:r>
           </a:p>
           <a:p>
